--- a/cascon.pptx
+++ b/cascon.pptx
@@ -4610,36 +4610,20 @@
               </a:rPr>
               <a:t>ON</a:t>
             </a:r>
-            <a:r>
-              <a:rPr lang="en-US" sz="2800" smtClean="0">
-                <a:solidFill>
-                  <a:schemeClr val="tx1"/>
-                </a:solidFill>
-              </a:rPr>
-              <a:t/>
-            </a:r>
             <a:br>
-              <a:rPr lang="en-US" sz="2800" smtClean="0">
-                <a:solidFill>
-                  <a:schemeClr val="tx1"/>
-                </a:solidFill>
-              </a:rPr>
-            </a:br>
-            <a:r>
-              <a:rPr lang="en-US" sz="2800" smtClean="0">
-                <a:solidFill>
-                  <a:schemeClr val="tx1"/>
-                </a:solidFill>
-              </a:rPr>
-              <a:t>IBM CASCON </a:t>
-            </a:r>
-            <a:r>
               <a:rPr lang="en-US" sz="2800" dirty="0" smtClean="0">
                 <a:solidFill>
                   <a:schemeClr val="tx1"/>
                 </a:solidFill>
               </a:rPr>
-              <a:t>2013</a:t>
+            </a:br>
+            <a:r>
+              <a:rPr lang="en-US" sz="2800" dirty="0" smtClean="0">
+                <a:solidFill>
+                  <a:schemeClr val="tx1"/>
+                </a:solidFill>
+              </a:rPr>
+              <a:t>IBM CASCON 2013</a:t>
             </a:r>
             <a:br>
               <a:rPr lang="en-US" sz="2800" dirty="0" smtClean="0">
@@ -4874,6 +4858,13 @@
     <a:masterClrMapping/>
   </p:clrMapOvr>
   <p:transition/>
+  <p:timing>
+    <p:tnLst>
+      <p:par>
+        <p:cTn id="1" dur="indefinite" restart="never" nodeType="tmRoot"/>
+      </p:par>
+    </p:tnLst>
+  </p:timing>
 </p:sld>
 </file>
 
@@ -5034,6 +5025,13 @@
     <a:masterClrMapping/>
   </p:clrMapOvr>
   <p:transition/>
+  <p:timing>
+    <p:tnLst>
+      <p:par>
+        <p:cTn id="1" dur="indefinite" restart="never" nodeType="tmRoot"/>
+      </p:par>
+    </p:tnLst>
+  </p:timing>
 </p:sld>
 </file>
 
@@ -5183,6 +5181,13 @@
     <a:masterClrMapping/>
   </p:clrMapOvr>
   <p:transition/>
+  <p:timing>
+    <p:tnLst>
+      <p:par>
+        <p:cTn id="1" dur="indefinite" restart="never" nodeType="tmRoot"/>
+      </p:par>
+    </p:tnLst>
+  </p:timing>
 </p:sld>
 </file>
 
@@ -5248,6 +5253,13 @@
     <a:masterClrMapping/>
   </p:clrMapOvr>
   <p:transition/>
+  <p:timing>
+    <p:tnLst>
+      <p:par>
+        <p:cTn id="1" dur="indefinite" restart="never" nodeType="tmRoot"/>
+      </p:par>
+    </p:tnLst>
+  </p:timing>
 </p:sld>
 </file>
 
@@ -5399,6 +5411,13 @@
     <a:masterClrMapping/>
   </p:clrMapOvr>
   <p:transition/>
+  <p:timing>
+    <p:tnLst>
+      <p:par>
+        <p:cTn id="1" dur="indefinite" restart="never" nodeType="tmRoot"/>
+      </p:par>
+    </p:tnLst>
+  </p:timing>
 </p:sld>
 </file>
 
@@ -5574,6 +5593,13 @@
     <a:masterClrMapping/>
   </p:clrMapOvr>
   <p:transition/>
+  <p:timing>
+    <p:tnLst>
+      <p:par>
+        <p:cTn id="1" dur="indefinite" restart="never" nodeType="tmRoot"/>
+      </p:par>
+    </p:tnLst>
+  </p:timing>
 </p:sld>
 </file>
 
@@ -5752,6 +5778,13 @@
     <a:masterClrMapping/>
   </p:clrMapOvr>
   <p:transition/>
+  <p:timing>
+    <p:tnLst>
+      <p:par>
+        <p:cTn id="1" dur="indefinite" restart="never" nodeType="tmRoot"/>
+      </p:par>
+    </p:tnLst>
+  </p:timing>
 </p:sld>
 </file>
 
@@ -5893,6 +5926,13 @@
     <a:masterClrMapping/>
   </p:clrMapOvr>
   <p:transition/>
+  <p:timing>
+    <p:tnLst>
+      <p:par>
+        <p:cTn id="1" dur="indefinite" restart="never" nodeType="tmRoot"/>
+      </p:par>
+    </p:tnLst>
+  </p:timing>
 </p:sld>
 </file>
 
@@ -6083,6 +6123,13 @@
     <a:masterClrMapping/>
   </p:clrMapOvr>
   <p:transition/>
+  <p:timing>
+    <p:tnLst>
+      <p:par>
+        <p:cTn id="1" dur="indefinite" restart="never" nodeType="tmRoot"/>
+      </p:par>
+    </p:tnLst>
+  </p:timing>
 </p:sld>
 </file>
 
@@ -6682,6 +6729,13 @@
     <a:masterClrMapping/>
   </p:clrMapOvr>
   <p:transition/>
+  <p:timing>
+    <p:tnLst>
+      <p:par>
+        <p:cTn id="1" dur="indefinite" restart="never" nodeType="tmRoot"/>
+      </p:par>
+    </p:tnLst>
+  </p:timing>
 </p:sld>
 </file>
 
@@ -6762,6 +6816,13 @@
     <a:masterClrMapping/>
   </p:clrMapOvr>
   <p:transition/>
+  <p:timing>
+    <p:tnLst>
+      <p:par>
+        <p:cTn id="1" dur="indefinite" restart="never" nodeType="tmRoot"/>
+      </p:par>
+    </p:tnLst>
+  </p:timing>
 </p:sld>
 </file>
 
@@ -6846,6 +6907,13 @@
     <a:masterClrMapping/>
   </p:clrMapOvr>
   <p:transition/>
+  <p:timing>
+    <p:tnLst>
+      <p:par>
+        <p:cTn id="1" dur="indefinite" restart="never" nodeType="tmRoot"/>
+      </p:par>
+    </p:tnLst>
+  </p:timing>
 </p:sld>
 </file>
 
@@ -7023,6 +7091,13 @@
     <a:masterClrMapping/>
   </p:clrMapOvr>
   <p:transition/>
+  <p:timing>
+    <p:tnLst>
+      <p:par>
+        <p:cTn id="1" dur="indefinite" restart="never" nodeType="tmRoot"/>
+      </p:par>
+    </p:tnLst>
+  </p:timing>
 </p:sld>
 </file>
 
@@ -7121,6 +7196,13 @@
     <a:masterClrMapping/>
   </p:clrMapOvr>
   <p:transition/>
+  <p:timing>
+    <p:tnLst>
+      <p:par>
+        <p:cTn id="1" dur="indefinite" restart="never" nodeType="tmRoot"/>
+      </p:par>
+    </p:tnLst>
+  </p:timing>
 </p:sld>
 </file>
 
@@ -7889,6 +7971,13 @@
     <a:masterClrMapping/>
   </p:clrMapOvr>
   <p:transition/>
+  <p:timing>
+    <p:tnLst>
+      <p:par>
+        <p:cTn id="1" dur="indefinite" restart="never" nodeType="tmRoot"/>
+      </p:par>
+    </p:tnLst>
+  </p:timing>
 </p:sld>
 </file>
 
@@ -8012,6 +8101,13 @@
     <a:masterClrMapping/>
   </p:clrMapOvr>
   <p:transition/>
+  <p:timing>
+    <p:tnLst>
+      <p:par>
+        <p:cTn id="1" dur="indefinite" restart="never" nodeType="tmRoot"/>
+      </p:par>
+    </p:tnLst>
+  </p:timing>
 </p:sld>
 </file>
 
@@ -8119,6 +8215,13 @@
     <a:masterClrMapping/>
   </p:clrMapOvr>
   <p:transition/>
+  <p:timing>
+    <p:tnLst>
+      <p:par>
+        <p:cTn id="1" dur="indefinite" restart="never" nodeType="tmRoot"/>
+      </p:par>
+    </p:tnLst>
+  </p:timing>
 </p:sld>
 </file>
 
@@ -8334,6 +8437,13 @@
     <a:masterClrMapping/>
   </p:clrMapOvr>
   <p:transition/>
+  <p:timing>
+    <p:tnLst>
+      <p:par>
+        <p:cTn id="1" dur="indefinite" restart="never" nodeType="tmRoot"/>
+      </p:par>
+    </p:tnLst>
+  </p:timing>
 </p:sld>
 </file>
 
@@ -9197,6 +9307,13 @@
     <a:masterClrMapping/>
   </p:clrMapOvr>
   <p:transition/>
+  <p:timing>
+    <p:tnLst>
+      <p:par>
+        <p:cTn id="1" dur="indefinite" restart="never" nodeType="tmRoot"/>
+      </p:par>
+    </p:tnLst>
+  </p:timing>
 </p:sld>
 </file>
 
@@ -9868,6 +9985,13 @@
     <a:masterClrMapping/>
   </p:clrMapOvr>
   <p:transition/>
+  <p:timing>
+    <p:tnLst>
+      <p:par>
+        <p:cTn id="1" dur="indefinite" restart="never" nodeType="tmRoot"/>
+      </p:par>
+    </p:tnLst>
+  </p:timing>
 </p:sld>
 </file>
 
@@ -10507,6 +10631,13 @@
     <a:masterClrMapping/>
   </p:clrMapOvr>
   <p:transition/>
+  <p:timing>
+    <p:tnLst>
+      <p:par>
+        <p:cTn id="1" dur="indefinite" restart="never" nodeType="tmRoot"/>
+      </p:par>
+    </p:tnLst>
+  </p:timing>
 </p:sld>
 </file>
 
@@ -10691,6 +10822,13 @@
     <a:masterClrMapping/>
   </p:clrMapOvr>
   <p:transition/>
+  <p:timing>
+    <p:tnLst>
+      <p:par>
+        <p:cTn id="1" dur="indefinite" restart="never" nodeType="tmRoot"/>
+      </p:par>
+    </p:tnLst>
+  </p:timing>
 </p:sld>
 </file>
 
@@ -10821,6 +10959,13 @@
     <a:masterClrMapping/>
   </p:clrMapOvr>
   <p:transition/>
+  <p:timing>
+    <p:tnLst>
+      <p:par>
+        <p:cTn id="1" dur="indefinite" restart="never" nodeType="tmRoot"/>
+      </p:par>
+    </p:tnLst>
+  </p:timing>
 </p:sld>
 </file>
 
@@ -10977,6 +11122,13 @@
     <a:masterClrMapping/>
   </p:clrMapOvr>
   <p:transition/>
+  <p:timing>
+    <p:tnLst>
+      <p:par>
+        <p:cTn id="1" dur="indefinite" restart="never" nodeType="tmRoot"/>
+      </p:par>
+    </p:tnLst>
+  </p:timing>
 </p:sld>
 </file>
 
@@ -11100,6 +11252,13 @@
     <a:masterClrMapping/>
   </p:clrMapOvr>
   <p:transition/>
+  <p:timing>
+    <p:tnLst>
+      <p:par>
+        <p:cTn id="1" dur="indefinite" restart="never" nodeType="tmRoot"/>
+      </p:par>
+    </p:tnLst>
+  </p:timing>
 </p:sld>
 </file>
 
@@ -11184,6 +11343,13 @@
     <a:masterClrMapping/>
   </p:clrMapOvr>
   <p:transition/>
+  <p:timing>
+    <p:tnLst>
+      <p:par>
+        <p:cTn id="1" dur="indefinite" restart="never" nodeType="tmRoot"/>
+      </p:par>
+    </p:tnLst>
+  </p:timing>
 </p:sld>
 </file>
 
@@ -12245,6 +12411,13 @@
     <a:masterClrMapping/>
   </p:clrMapOvr>
   <p:transition/>
+  <p:timing>
+    <p:tnLst>
+      <p:par>
+        <p:cTn id="1" dur="indefinite" restart="never" nodeType="tmRoot"/>
+      </p:par>
+    </p:tnLst>
+  </p:timing>
 </p:sld>
 </file>
 
@@ -12397,6 +12570,13 @@
     <a:masterClrMapping/>
   </p:clrMapOvr>
   <p:transition/>
+  <p:timing>
+    <p:tnLst>
+      <p:par>
+        <p:cTn id="1" dur="indefinite" restart="never" nodeType="tmRoot"/>
+      </p:par>
+    </p:tnLst>
+  </p:timing>
 </p:sld>
 </file>
 
@@ -12568,6 +12748,13 @@
     <a:masterClrMapping/>
   </p:clrMapOvr>
   <p:transition/>
+  <p:timing>
+    <p:tnLst>
+      <p:par>
+        <p:cTn id="1" dur="indefinite" restart="never" nodeType="tmRoot"/>
+      </p:par>
+    </p:tnLst>
+  </p:timing>
 </p:sld>
 </file>
 
@@ -12706,6 +12893,13 @@
     <a:masterClrMapping/>
   </p:clrMapOvr>
   <p:transition/>
+  <p:timing>
+    <p:tnLst>
+      <p:par>
+        <p:cTn id="1" dur="indefinite" restart="never" nodeType="tmRoot"/>
+      </p:par>
+    </p:tnLst>
+  </p:timing>
 </p:sld>
 </file>
 
@@ -12789,6 +12983,13 @@
     <a:masterClrMapping/>
   </p:clrMapOvr>
   <p:transition/>
+  <p:timing>
+    <p:tnLst>
+      <p:par>
+        <p:cTn id="1" dur="indefinite" restart="never" nodeType="tmRoot"/>
+      </p:par>
+    </p:tnLst>
+  </p:timing>
 </p:sld>
 </file>
 
@@ -12965,6 +13166,13 @@
     <a:masterClrMapping/>
   </p:clrMapOvr>
   <p:transition/>
+  <p:timing>
+    <p:tnLst>
+      <p:par>
+        <p:cTn id="1" dur="indefinite" restart="never" nodeType="tmRoot"/>
+      </p:par>
+    </p:tnLst>
+  </p:timing>
 </p:sld>
 </file>
 
@@ -13048,6 +13256,13 @@
     <a:masterClrMapping/>
   </p:clrMapOvr>
   <p:transition/>
+  <p:timing>
+    <p:tnLst>
+      <p:par>
+        <p:cTn id="1" dur="indefinite" restart="never" nodeType="tmRoot"/>
+      </p:par>
+    </p:tnLst>
+  </p:timing>
 </p:sld>
 </file>
 
@@ -13246,6 +13461,13 @@
     <a:masterClrMapping/>
   </p:clrMapOvr>
   <p:transition/>
+  <p:timing>
+    <p:tnLst>
+      <p:par>
+        <p:cTn id="1" dur="indefinite" restart="never" nodeType="tmRoot"/>
+      </p:par>
+    </p:tnLst>
+  </p:timing>
 </p:sld>
 </file>
 
@@ -14137,6 +14359,13 @@
     <a:masterClrMapping/>
   </p:clrMapOvr>
   <p:transition/>
+  <p:timing>
+    <p:tnLst>
+      <p:par>
+        <p:cTn id="1" dur="indefinite" restart="never" nodeType="tmRoot"/>
+      </p:par>
+    </p:tnLst>
+  </p:timing>
 </p:sld>
 </file>
 
@@ -14886,6 +15115,13 @@
     <a:masterClrMapping/>
   </p:clrMapOvr>
   <p:transition/>
+  <p:timing>
+    <p:tnLst>
+      <p:par>
+        <p:cTn id="1" dur="indefinite" restart="never" nodeType="tmRoot"/>
+      </p:par>
+    </p:tnLst>
+  </p:timing>
 </p:sld>
 </file>
 
@@ -15178,6 +15414,13 @@
     <a:masterClrMapping/>
   </p:clrMapOvr>
   <p:transition/>
+  <p:timing>
+    <p:tnLst>
+      <p:par>
+        <p:cTn id="1" dur="indefinite" restart="never" nodeType="tmRoot"/>
+      </p:par>
+    </p:tnLst>
+  </p:timing>
 </p:sld>
 </file>
 
@@ -15262,6 +15505,13 @@
     <a:masterClrMapping/>
   </p:clrMapOvr>
   <p:transition/>
+  <p:timing>
+    <p:tnLst>
+      <p:par>
+        <p:cTn id="1" dur="indefinite" restart="never" nodeType="tmRoot"/>
+      </p:par>
+    </p:tnLst>
+  </p:timing>
 </p:sld>
 </file>
 
@@ -15538,6 +15788,13 @@
     <a:masterClrMapping/>
   </p:clrMapOvr>
   <p:transition/>
+  <p:timing>
+    <p:tnLst>
+      <p:par>
+        <p:cTn id="1" dur="indefinite" restart="never" nodeType="tmRoot"/>
+      </p:par>
+    </p:tnLst>
+  </p:timing>
 </p:sld>
 </file>
 
@@ -21948,6 +22205,13 @@
     <a:masterClrMapping/>
   </p:clrMapOvr>
   <p:transition/>
+  <p:timing>
+    <p:tnLst>
+      <p:par>
+        <p:cTn id="1" dur="indefinite" restart="never" nodeType="tmRoot"/>
+      </p:par>
+    </p:tnLst>
+  </p:timing>
 </p:sld>
 </file>
 
@@ -22124,6 +22388,13 @@
     <a:masterClrMapping/>
   </p:clrMapOvr>
   <p:transition/>
+  <p:timing>
+    <p:tnLst>
+      <p:par>
+        <p:cTn id="1" dur="indefinite" restart="never" nodeType="tmRoot"/>
+      </p:par>
+    </p:tnLst>
+  </p:timing>
 </p:sld>
 </file>
 
@@ -22257,6 +22528,13 @@
     <a:masterClrMapping/>
   </p:clrMapOvr>
   <p:transition/>
+  <p:timing>
+    <p:tnLst>
+      <p:par>
+        <p:cTn id="1" dur="indefinite" restart="never" nodeType="tmRoot"/>
+      </p:par>
+    </p:tnLst>
+  </p:timing>
 </p:sld>
 </file>
 
@@ -23150,6 +23428,13 @@
     <a:masterClrMapping/>
   </p:clrMapOvr>
   <p:transition/>
+  <p:timing>
+    <p:tnLst>
+      <p:par>
+        <p:cTn id="1" dur="indefinite" restart="never" nodeType="tmRoot"/>
+      </p:par>
+    </p:tnLst>
+  </p:timing>
 </p:sld>
 </file>
 
@@ -23324,6 +23609,13 @@
     <a:masterClrMapping/>
   </p:clrMapOvr>
   <p:transition/>
+  <p:timing>
+    <p:tnLst>
+      <p:par>
+        <p:cTn id="1" dur="indefinite" restart="never" nodeType="tmRoot"/>
+      </p:par>
+    </p:tnLst>
+  </p:timing>
 </p:sld>
 </file>
 
@@ -23449,6 +23741,13 @@
     <a:masterClrMapping/>
   </p:clrMapOvr>
   <p:transition/>
+  <p:timing>
+    <p:tnLst>
+      <p:par>
+        <p:cTn id="1" dur="indefinite" restart="never" nodeType="tmRoot"/>
+      </p:par>
+    </p:tnLst>
+  </p:timing>
 </p:sld>
 </file>
 
@@ -23598,6 +23897,13 @@
     <a:masterClrMapping/>
   </p:clrMapOvr>
   <p:transition/>
+  <p:timing>
+    <p:tnLst>
+      <p:par>
+        <p:cTn id="1" dur="indefinite" restart="never" nodeType="tmRoot"/>
+      </p:par>
+    </p:tnLst>
+  </p:timing>
 </p:sld>
 </file>
 
@@ -23993,6 +24299,13 @@
     <a:masterClrMapping/>
   </p:clrMapOvr>
   <p:transition/>
+  <p:timing>
+    <p:tnLst>
+      <p:par>
+        <p:cTn id="1" dur="indefinite" restart="never" nodeType="tmRoot"/>
+      </p:par>
+    </p:tnLst>
+  </p:timing>
 </p:sld>
 </file>
 
@@ -24077,7 +24390,11 @@
             </a:r>
             <a:r>
               <a:rPr lang="en-US" dirty="0" err="1" smtClean="0"/>
-              <a:t>lower_bound</a:t>
+              <a:t>upper</a:t>
+            </a:r>
+            <a:r>
+              <a:rPr lang="en-US" dirty="0" err="1" smtClean="0"/>
+              <a:t>_bound</a:t>
             </a:r>
             <a:r>
               <a:rPr lang="en-US" dirty="0" smtClean="0"/>
@@ -24089,8 +24406,21 @@
             </a:r>
             <a:r>
               <a:rPr lang="en-US" dirty="0" smtClean="0"/>
-              <a:t>(0), scan(counts)).</a:t>
-            </a:r>
+              <a:t>(0</a:t>
+            </a:r>
+            <a:r>
+              <a:rPr lang="en-US" dirty="0" smtClean="0"/>
+              <a:t>), </a:t>
+            </a:r>
+            <a:r>
+              <a:rPr lang="en-US" smtClean="0"/>
+              <a:t>scan(counts</a:t>
+            </a:r>
+            <a:r>
+              <a:rPr lang="en-US" smtClean="0"/>
+              <a:t>)) - 1.</a:t>
+            </a:r>
+            <a:endParaRPr lang="en-US" dirty="0" smtClean="0"/>
           </a:p>
           <a:p>
             <a:endParaRPr lang="en-US" dirty="0" smtClean="0"/>
@@ -24147,6 +24477,13 @@
     <a:masterClrMapping/>
   </p:clrMapOvr>
   <p:transition/>
+  <p:timing>
+    <p:tnLst>
+      <p:par>
+        <p:cTn id="1" dur="indefinite" restart="never" nodeType="tmRoot"/>
+      </p:par>
+    </p:tnLst>
+  </p:timing>
 </p:sld>
 </file>
 
@@ -24250,6 +24587,13 @@
     <a:masterClrMapping/>
   </p:clrMapOvr>
   <p:transition/>
+  <p:timing>
+    <p:tnLst>
+      <p:par>
+        <p:cTn id="1" dur="indefinite" restart="never" nodeType="tmRoot"/>
+      </p:par>
+    </p:tnLst>
+  </p:timing>
 </p:sld>
 </file>
 
@@ -24968,6 +25312,13 @@
     <a:masterClrMapping/>
   </p:clrMapOvr>
   <p:transition/>
+  <p:timing>
+    <p:tnLst>
+      <p:par>
+        <p:cTn id="1" dur="indefinite" restart="never" nodeType="tmRoot"/>
+      </p:par>
+    </p:tnLst>
+  </p:timing>
 </p:sld>
 </file>
 
@@ -25116,6 +25467,13 @@
     <a:masterClrMapping/>
   </p:clrMapOvr>
   <p:transition/>
+  <p:timing>
+    <p:tnLst>
+      <p:par>
+        <p:cTn id="1" dur="indefinite" restart="never" nodeType="tmRoot"/>
+      </p:par>
+    </p:tnLst>
+  </p:timing>
 </p:sld>
 </file>
 
@@ -25302,6 +25660,13 @@
     <a:masterClrMapping/>
   </p:clrMapOvr>
   <p:transition/>
+  <p:timing>
+    <p:tnLst>
+      <p:par>
+        <p:cTn id="1" dur="indefinite" restart="never" nodeType="tmRoot"/>
+      </p:par>
+    </p:tnLst>
+  </p:timing>
 </p:sld>
 </file>
 
@@ -25417,6 +25782,13 @@
     <a:masterClrMapping/>
   </p:clrMapOvr>
   <p:transition/>
+  <p:timing>
+    <p:tnLst>
+      <p:par>
+        <p:cTn id="1" dur="indefinite" restart="never" nodeType="tmRoot"/>
+      </p:par>
+    </p:tnLst>
+  </p:timing>
 </p:sld>
 </file>
 
@@ -25554,6 +25926,13 @@
     <a:masterClrMapping/>
   </p:clrMapOvr>
   <p:transition/>
+  <p:timing>
+    <p:tnLst>
+      <p:par>
+        <p:cTn id="1" dur="indefinite" restart="never" nodeType="tmRoot"/>
+      </p:par>
+    </p:tnLst>
+  </p:timing>
 </p:sld>
 </file>
 
@@ -25672,6 +26051,13 @@
     <a:masterClrMapping/>
   </p:clrMapOvr>
   <p:transition/>
+  <p:timing>
+    <p:tnLst>
+      <p:par>
+        <p:cTn id="1" dur="indefinite" restart="never" nodeType="tmRoot"/>
+      </p:par>
+    </p:tnLst>
+  </p:timing>
 </p:sld>
 </file>
 
@@ -25824,6 +26210,13 @@
     <a:masterClrMapping/>
   </p:clrMapOvr>
   <p:transition/>
+  <p:timing>
+    <p:tnLst>
+      <p:par>
+        <p:cTn id="1" dur="indefinite" restart="never" nodeType="tmRoot"/>
+      </p:par>
+    </p:tnLst>
+  </p:timing>
 </p:sld>
 </file>
 
@@ -25955,6 +26348,13 @@
     <a:masterClrMapping/>
   </p:clrMapOvr>
   <p:transition/>
+  <p:timing>
+    <p:tnLst>
+      <p:par>
+        <p:cTn id="1" dur="indefinite" restart="never" nodeType="tmRoot"/>
+      </p:par>
+    </p:tnLst>
+  </p:timing>
 </p:sld>
 </file>
 
@@ -26103,6 +26503,13 @@
     <a:masterClrMapping/>
   </p:clrMapOvr>
   <p:transition/>
+  <p:timing>
+    <p:tnLst>
+      <p:par>
+        <p:cTn id="1" dur="indefinite" restart="never" nodeType="tmRoot"/>
+      </p:par>
+    </p:tnLst>
+  </p:timing>
 </p:sld>
 </file>
 
